--- a/Präsentation_Soccer_Odds_Prediction.pptx
+++ b/Präsentation_Soccer_Odds_Prediction.pptx
@@ -157,7 +157,7 @@
   <pc:docChgLst>
     <pc:chgData name="P. Smith" userId="e168a96639a4093d" providerId="LiveId" clId="{628F1930-1733-463C-9F86-D5516899FE9C}"/>
     <pc:docChg chg="undo redo custSel addSld delSld modSld sldOrd">
-      <pc:chgData name="P. Smith" userId="e168a96639a4093d" providerId="LiveId" clId="{628F1930-1733-463C-9F86-D5516899FE9C}" dt="2022-07-22T10:16:18.817" v="9508" actId="20577"/>
+      <pc:chgData name="P. Smith" userId="e168a96639a4093d" providerId="LiveId" clId="{628F1930-1733-463C-9F86-D5516899FE9C}" dt="2022-07-25T07:23:52.984" v="9529" actId="20577"/>
       <pc:docMkLst>
         <pc:docMk/>
       </pc:docMkLst>
@@ -1148,7 +1148,7 @@
         </pc:picChg>
       </pc:sldChg>
       <pc:sldChg chg="addSp delSp modSp new mod setBg">
-        <pc:chgData name="P. Smith" userId="e168a96639a4093d" providerId="LiveId" clId="{628F1930-1733-463C-9F86-D5516899FE9C}" dt="2022-07-07T14:56:22.477" v="9073" actId="20577"/>
+        <pc:chgData name="P. Smith" userId="e168a96639a4093d" providerId="LiveId" clId="{628F1930-1733-463C-9F86-D5516899FE9C}" dt="2022-07-25T07:23:52.984" v="9529" actId="20577"/>
         <pc:sldMkLst>
           <pc:docMk/>
           <pc:sldMk cId="675616224" sldId="270"/>
@@ -1170,7 +1170,7 @@
           </ac:spMkLst>
         </pc:spChg>
         <pc:spChg chg="add mod">
-          <ac:chgData name="P. Smith" userId="e168a96639a4093d" providerId="LiveId" clId="{628F1930-1733-463C-9F86-D5516899FE9C}" dt="2022-07-07T14:56:22.477" v="9073" actId="20577"/>
+          <ac:chgData name="P. Smith" userId="e168a96639a4093d" providerId="LiveId" clId="{628F1930-1733-463C-9F86-D5516899FE9C}" dt="2022-07-25T07:23:52.984" v="9529" actId="20577"/>
           <ac:spMkLst>
             <pc:docMk/>
             <pc:sldMk cId="675616224" sldId="270"/>
@@ -2241,7 +2241,7 @@
           <a:p>
             <a:fld id="{CE445945-31A4-4BD1-8634-89158A054173}" type="datetimeFigureOut">
               <a:rPr lang="en-GB" smtClean="0"/>
-              <a:t>22/07/2022</a:t>
+              <a:t>25/07/2022</a:t>
             </a:fld>
             <a:endParaRPr lang="en-GB"/>
           </a:p>
@@ -2678,7 +2678,7 @@
           <a:p>
             <a:fld id="{7789F0DC-2A20-4DA3-BBBD-24916DFFB487}" type="datetime1">
               <a:rPr lang="en-GB" smtClean="0"/>
-              <a:t>22/07/2022</a:t>
+              <a:t>25/07/2022</a:t>
             </a:fld>
             <a:endParaRPr lang="en-GB"/>
           </a:p>
@@ -3008,7 +3008,7 @@
           <a:p>
             <a:fld id="{1F1ED30A-C05A-4C4A-8822-54160FE889D7}" type="datetime1">
               <a:rPr lang="en-GB" smtClean="0"/>
-              <a:t>22/07/2022</a:t>
+              <a:t>25/07/2022</a:t>
             </a:fld>
             <a:endParaRPr lang="en-GB"/>
           </a:p>
@@ -3188,7 +3188,7 @@
           <a:p>
             <a:fld id="{469551CF-4DCD-4B20-8C63-965D15FAFF55}" type="datetime1">
               <a:rPr lang="en-GB" smtClean="0"/>
-              <a:t>22/07/2022</a:t>
+              <a:t>25/07/2022</a:t>
             </a:fld>
             <a:endParaRPr lang="en-GB"/>
           </a:p>
@@ -3358,7 +3358,7 @@
           <a:p>
             <a:fld id="{AF98CA73-82B9-44A5-845B-99880C61317C}" type="datetime1">
               <a:rPr lang="en-GB" smtClean="0"/>
-              <a:t>22/07/2022</a:t>
+              <a:t>25/07/2022</a:t>
             </a:fld>
             <a:endParaRPr lang="en-GB"/>
           </a:p>
@@ -3635,7 +3635,7 @@
           <a:p>
             <a:fld id="{49F1F1C4-6266-49D9-9A0E-644E11E1589B}" type="datetime1">
               <a:rPr lang="en-GB" smtClean="0"/>
-              <a:t>22/07/2022</a:t>
+              <a:t>25/07/2022</a:t>
             </a:fld>
             <a:endParaRPr lang="en-GB"/>
           </a:p>
@@ -4029,7 +4029,7 @@
           <a:p>
             <a:fld id="{55B52BFE-85FF-458B-B0A2-EFE4E9B05F11}" type="datetime1">
               <a:rPr lang="en-GB" smtClean="0"/>
-              <a:t>22/07/2022</a:t>
+              <a:t>25/07/2022</a:t>
             </a:fld>
             <a:endParaRPr lang="en-GB"/>
           </a:p>
@@ -4506,7 +4506,7 @@
           <a:p>
             <a:fld id="{AD7D3DD2-C58F-4959-A22B-AAD76CBA39F6}" type="datetime1">
               <a:rPr lang="en-GB" smtClean="0"/>
-              <a:t>22/07/2022</a:t>
+              <a:t>25/07/2022</a:t>
             </a:fld>
             <a:endParaRPr lang="en-GB"/>
           </a:p>
@@ -4624,7 +4624,7 @@
           <a:p>
             <a:fld id="{8A68DE37-9E53-4B26-87B8-795E6FC4FE9C}" type="datetime1">
               <a:rPr lang="en-GB" smtClean="0"/>
-              <a:t>22/07/2022</a:t>
+              <a:t>25/07/2022</a:t>
             </a:fld>
             <a:endParaRPr lang="en-GB"/>
           </a:p>
@@ -4719,7 +4719,7 @@
           <a:p>
             <a:fld id="{E5257B58-25F9-4306-BF3B-73EE400E0713}" type="datetime1">
               <a:rPr lang="en-GB" smtClean="0"/>
-              <a:t>22/07/2022</a:t>
+              <a:t>25/07/2022</a:t>
             </a:fld>
             <a:endParaRPr lang="en-GB"/>
           </a:p>
@@ -5065,7 +5065,7 @@
           <a:p>
             <a:fld id="{AF7F661B-37EB-4DEB-B2C1-30BE59E8D4A3}" type="datetime1">
               <a:rPr lang="en-GB" smtClean="0"/>
-              <a:t>22/07/2022</a:t>
+              <a:t>25/07/2022</a:t>
             </a:fld>
             <a:endParaRPr lang="en-GB"/>
           </a:p>
@@ -5453,7 +5453,7 @@
           <a:p>
             <a:fld id="{C30E55A2-2BE4-4649-AB62-A6B26131B15F}" type="datetime1">
               <a:rPr lang="en-GB" smtClean="0"/>
-              <a:t>22/07/2022</a:t>
+              <a:t>25/07/2022</a:t>
             </a:fld>
             <a:endParaRPr lang="en-GB"/>
           </a:p>
@@ -5731,7 +5731,7 @@
           <a:p>
             <a:fld id="{8ABC7D5F-1BA1-4B09-8ACF-398E60AC3424}" type="datetime1">
               <a:rPr lang="en-GB" smtClean="0"/>
-              <a:t>22/07/2022</a:t>
+              <a:t>25/07/2022</a:t>
             </a:fld>
             <a:endParaRPr lang="en-GB"/>
           </a:p>
@@ -15990,7 +15990,7 @@
         <p:spPr>
           <a:xfrm>
             <a:off x="6344435" y="4366863"/>
-            <a:ext cx="1114536" cy="461665"/>
+            <a:ext cx="3911648" cy="461665"/>
           </a:xfrm>
           <a:prstGeom prst="rect">
             <a:avLst/>
@@ -16005,8 +16005,13 @@
           <a:p>
             <a:r>
               <a:rPr lang="de-DE" sz="2400" dirty="0"/>
-              <a:t>Pascal </a:t>
-            </a:r>
+              <a:t>Pascal		Simon 	</a:t>
+            </a:r>
+            <a:r>
+              <a:rPr lang="de-DE" sz="2400"/>
+              <a:t>	Philipp </a:t>
+            </a:r>
+            <a:endParaRPr lang="de-DE" sz="2400" dirty="0"/>
           </a:p>
         </p:txBody>
       </p:sp>
